--- a/ppt 16-9/1404.基督复活.pptx
+++ b/ppt 16-9/1404.基督复活.pptx
@@ -129,7 +129,7 @@
           <p:cNvPr id="2" name="标题 1">
             <a:extLst>
               <a:ext uri="{FF2B5EF4-FFF2-40B4-BE49-F238E27FC236}">
-                <a16:creationId xmlns:a16="http://schemas.microsoft.com/office/drawing/2014/main" id="{7A1E860F-69A3-FF96-7597-5B88557AD844}"/>
+                <a16:creationId xmlns:a16="http://schemas.microsoft.com/office/drawing/2014/main" id="{0AEF56A4-09F7-D063-314A-760010F8CBE0}"/>
               </a:ext>
             </a:extLst>
           </p:cNvPr>
@@ -166,7 +166,7 @@
           <p:cNvPr id="3" name="副标题 2">
             <a:extLst>
               <a:ext uri="{FF2B5EF4-FFF2-40B4-BE49-F238E27FC236}">
-                <a16:creationId xmlns:a16="http://schemas.microsoft.com/office/drawing/2014/main" id="{A014E0BA-5156-C892-FC00-62A3024371A0}"/>
+                <a16:creationId xmlns:a16="http://schemas.microsoft.com/office/drawing/2014/main" id="{8D78BCE3-3028-A8B8-222E-D4AEF87B36E1}"/>
               </a:ext>
             </a:extLst>
           </p:cNvPr>
@@ -236,7 +236,7 @@
           <p:cNvPr id="4" name="日期占位符 3">
             <a:extLst>
               <a:ext uri="{FF2B5EF4-FFF2-40B4-BE49-F238E27FC236}">
-                <a16:creationId xmlns:a16="http://schemas.microsoft.com/office/drawing/2014/main" id="{E2516881-9F66-3152-BF39-30DD91FB8597}"/>
+                <a16:creationId xmlns:a16="http://schemas.microsoft.com/office/drawing/2014/main" id="{276851F9-B246-3C69-9227-2C1F9680A4E3}"/>
               </a:ext>
             </a:extLst>
           </p:cNvPr>
@@ -252,7 +252,7 @@
           <a:bodyPr/>
           <a:lstStyle/>
           <a:p>
-            <a:fld id="{13361E22-AA6F-419B-BDDD-176226818761}" type="datetimeFigureOut">
+            <a:fld id="{04D364F6-DC97-4CED-BE79-440BA9E4976E}" type="datetimeFigureOut">
               <a:rPr lang="zh-CN" altLang="en-US" smtClean="0"/>
               <a:t>2024/3/10</a:t>
             </a:fld>
@@ -265,7 +265,7 @@
           <p:cNvPr id="5" name="页脚占位符 4">
             <a:extLst>
               <a:ext uri="{FF2B5EF4-FFF2-40B4-BE49-F238E27FC236}">
-                <a16:creationId xmlns:a16="http://schemas.microsoft.com/office/drawing/2014/main" id="{EC879C01-368F-9852-0CFE-29E88A60B743}"/>
+                <a16:creationId xmlns:a16="http://schemas.microsoft.com/office/drawing/2014/main" id="{ADFB4586-4E72-FDF4-7493-774524A4F90E}"/>
               </a:ext>
             </a:extLst>
           </p:cNvPr>
@@ -290,7 +290,7 @@
           <p:cNvPr id="6" name="灯片编号占位符 5">
             <a:extLst>
               <a:ext uri="{FF2B5EF4-FFF2-40B4-BE49-F238E27FC236}">
-                <a16:creationId xmlns:a16="http://schemas.microsoft.com/office/drawing/2014/main" id="{867CFE9B-2779-2F4A-55E4-AE7E79F4D889}"/>
+                <a16:creationId xmlns:a16="http://schemas.microsoft.com/office/drawing/2014/main" id="{47F246B6-A59B-7DDE-C896-39483E61F3F3}"/>
               </a:ext>
             </a:extLst>
           </p:cNvPr>
@@ -306,7 +306,7 @@
           <a:bodyPr/>
           <a:lstStyle/>
           <a:p>
-            <a:fld id="{DDC9CBD6-3879-4650-A77C-AB208E9FFC78}" type="slidenum">
+            <a:fld id="{02256655-83DF-41A3-BD5B-9E8E8A5E8629}" type="slidenum">
               <a:rPr lang="zh-CN" altLang="en-US" smtClean="0"/>
               <a:t>‹#›</a:t>
             </a:fld>
@@ -317,7 +317,7 @@
     </p:spTree>
     <p:extLst>
       <p:ext uri="{BB962C8B-B14F-4D97-AF65-F5344CB8AC3E}">
-        <p14:creationId xmlns:p14="http://schemas.microsoft.com/office/powerpoint/2010/main" val="1117097524"/>
+        <p14:creationId xmlns:p14="http://schemas.microsoft.com/office/powerpoint/2010/main" val="4073441409"/>
       </p:ext>
     </p:extLst>
   </p:cSld>
@@ -349,7 +349,7 @@
           <p:cNvPr id="2" name="标题 1">
             <a:extLst>
               <a:ext uri="{FF2B5EF4-FFF2-40B4-BE49-F238E27FC236}">
-                <a16:creationId xmlns:a16="http://schemas.microsoft.com/office/drawing/2014/main" id="{8F334066-4F3D-E3B6-FC7A-A4C2E17FB9F5}"/>
+                <a16:creationId xmlns:a16="http://schemas.microsoft.com/office/drawing/2014/main" id="{533D76E6-4608-A3CC-87F7-8612D85321D1}"/>
               </a:ext>
             </a:extLst>
           </p:cNvPr>
@@ -377,7 +377,7 @@
           <p:cNvPr id="3" name="竖排文字占位符 2">
             <a:extLst>
               <a:ext uri="{FF2B5EF4-FFF2-40B4-BE49-F238E27FC236}">
-                <a16:creationId xmlns:a16="http://schemas.microsoft.com/office/drawing/2014/main" id="{285BC7CA-89C3-41C3-EAF0-B8E0F80B4FF5}"/>
+                <a16:creationId xmlns:a16="http://schemas.microsoft.com/office/drawing/2014/main" id="{F73EE4FB-389F-162E-242D-8C02CE1D0495}"/>
               </a:ext>
             </a:extLst>
           </p:cNvPr>
@@ -434,7 +434,7 @@
           <p:cNvPr id="4" name="日期占位符 3">
             <a:extLst>
               <a:ext uri="{FF2B5EF4-FFF2-40B4-BE49-F238E27FC236}">
-                <a16:creationId xmlns:a16="http://schemas.microsoft.com/office/drawing/2014/main" id="{3170B815-4DC7-CA01-572D-1FBEA7EDFEB8}"/>
+                <a16:creationId xmlns:a16="http://schemas.microsoft.com/office/drawing/2014/main" id="{A3AFA2B1-8BBB-2764-0B54-2C406986E113}"/>
               </a:ext>
             </a:extLst>
           </p:cNvPr>
@@ -450,7 +450,7 @@
           <a:bodyPr/>
           <a:lstStyle/>
           <a:p>
-            <a:fld id="{13361E22-AA6F-419B-BDDD-176226818761}" type="datetimeFigureOut">
+            <a:fld id="{04D364F6-DC97-4CED-BE79-440BA9E4976E}" type="datetimeFigureOut">
               <a:rPr lang="zh-CN" altLang="en-US" smtClean="0"/>
               <a:t>2024/3/10</a:t>
             </a:fld>
@@ -463,7 +463,7 @@
           <p:cNvPr id="5" name="页脚占位符 4">
             <a:extLst>
               <a:ext uri="{FF2B5EF4-FFF2-40B4-BE49-F238E27FC236}">
-                <a16:creationId xmlns:a16="http://schemas.microsoft.com/office/drawing/2014/main" id="{C57C01A5-CA45-EBAD-0561-A4B427EEC6F2}"/>
+                <a16:creationId xmlns:a16="http://schemas.microsoft.com/office/drawing/2014/main" id="{662D58BE-9B2C-F921-4570-E2B5B46F9D85}"/>
               </a:ext>
             </a:extLst>
           </p:cNvPr>
@@ -488,7 +488,7 @@
           <p:cNvPr id="6" name="灯片编号占位符 5">
             <a:extLst>
               <a:ext uri="{FF2B5EF4-FFF2-40B4-BE49-F238E27FC236}">
-                <a16:creationId xmlns:a16="http://schemas.microsoft.com/office/drawing/2014/main" id="{350D1E6C-4B07-7897-FAC0-D619B3A5630E}"/>
+                <a16:creationId xmlns:a16="http://schemas.microsoft.com/office/drawing/2014/main" id="{42453A01-5516-7393-0E23-EB4258D1B8DF}"/>
               </a:ext>
             </a:extLst>
           </p:cNvPr>
@@ -504,7 +504,7 @@
           <a:bodyPr/>
           <a:lstStyle/>
           <a:p>
-            <a:fld id="{DDC9CBD6-3879-4650-A77C-AB208E9FFC78}" type="slidenum">
+            <a:fld id="{02256655-83DF-41A3-BD5B-9E8E8A5E8629}" type="slidenum">
               <a:rPr lang="zh-CN" altLang="en-US" smtClean="0"/>
               <a:t>‹#›</a:t>
             </a:fld>
@@ -515,7 +515,7 @@
     </p:spTree>
     <p:extLst>
       <p:ext uri="{BB962C8B-B14F-4D97-AF65-F5344CB8AC3E}">
-        <p14:creationId xmlns:p14="http://schemas.microsoft.com/office/powerpoint/2010/main" val="2921193674"/>
+        <p14:creationId xmlns:p14="http://schemas.microsoft.com/office/powerpoint/2010/main" val="3427993211"/>
       </p:ext>
     </p:extLst>
   </p:cSld>
@@ -547,7 +547,7 @@
           <p:cNvPr id="2" name="竖排标题 1">
             <a:extLst>
               <a:ext uri="{FF2B5EF4-FFF2-40B4-BE49-F238E27FC236}">
-                <a16:creationId xmlns:a16="http://schemas.microsoft.com/office/drawing/2014/main" id="{DCF501C4-A8BA-1478-646C-9B02D3BE1BE8}"/>
+                <a16:creationId xmlns:a16="http://schemas.microsoft.com/office/drawing/2014/main" id="{274C9E8F-2602-C11A-BDF6-D20B824A77B5}"/>
               </a:ext>
             </a:extLst>
           </p:cNvPr>
@@ -580,7 +580,7 @@
           <p:cNvPr id="3" name="竖排文字占位符 2">
             <a:extLst>
               <a:ext uri="{FF2B5EF4-FFF2-40B4-BE49-F238E27FC236}">
-                <a16:creationId xmlns:a16="http://schemas.microsoft.com/office/drawing/2014/main" id="{708D849B-72C5-1B44-EA14-5F6C4B13CD46}"/>
+                <a16:creationId xmlns:a16="http://schemas.microsoft.com/office/drawing/2014/main" id="{AE11B21E-454A-341E-F7F3-E3B3746CAAF5}"/>
               </a:ext>
             </a:extLst>
           </p:cNvPr>
@@ -642,7 +642,7 @@
           <p:cNvPr id="4" name="日期占位符 3">
             <a:extLst>
               <a:ext uri="{FF2B5EF4-FFF2-40B4-BE49-F238E27FC236}">
-                <a16:creationId xmlns:a16="http://schemas.microsoft.com/office/drawing/2014/main" id="{BEB69C8F-9764-4BD7-1DE4-C1FEDEE9F6A1}"/>
+                <a16:creationId xmlns:a16="http://schemas.microsoft.com/office/drawing/2014/main" id="{5ACD0E38-34C2-F0CE-2D5A-2B4A0C3FBB44}"/>
               </a:ext>
             </a:extLst>
           </p:cNvPr>
@@ -658,7 +658,7 @@
           <a:bodyPr/>
           <a:lstStyle/>
           <a:p>
-            <a:fld id="{13361E22-AA6F-419B-BDDD-176226818761}" type="datetimeFigureOut">
+            <a:fld id="{04D364F6-DC97-4CED-BE79-440BA9E4976E}" type="datetimeFigureOut">
               <a:rPr lang="zh-CN" altLang="en-US" smtClean="0"/>
               <a:t>2024/3/10</a:t>
             </a:fld>
@@ -671,7 +671,7 @@
           <p:cNvPr id="5" name="页脚占位符 4">
             <a:extLst>
               <a:ext uri="{FF2B5EF4-FFF2-40B4-BE49-F238E27FC236}">
-                <a16:creationId xmlns:a16="http://schemas.microsoft.com/office/drawing/2014/main" id="{3B3C24DD-8A5A-A5F1-4EAF-98F6091BFFBE}"/>
+                <a16:creationId xmlns:a16="http://schemas.microsoft.com/office/drawing/2014/main" id="{738E42A4-13A7-5902-4B8F-C053D03F0204}"/>
               </a:ext>
             </a:extLst>
           </p:cNvPr>
@@ -696,7 +696,7 @@
           <p:cNvPr id="6" name="灯片编号占位符 5">
             <a:extLst>
               <a:ext uri="{FF2B5EF4-FFF2-40B4-BE49-F238E27FC236}">
-                <a16:creationId xmlns:a16="http://schemas.microsoft.com/office/drawing/2014/main" id="{32DB2CA2-CBBC-040E-4361-CD12F16F2CB6}"/>
+                <a16:creationId xmlns:a16="http://schemas.microsoft.com/office/drawing/2014/main" id="{7FEC4376-E896-DB85-53BB-572F04EA6DBF}"/>
               </a:ext>
             </a:extLst>
           </p:cNvPr>
@@ -712,7 +712,7 @@
           <a:bodyPr/>
           <a:lstStyle/>
           <a:p>
-            <a:fld id="{DDC9CBD6-3879-4650-A77C-AB208E9FFC78}" type="slidenum">
+            <a:fld id="{02256655-83DF-41A3-BD5B-9E8E8A5E8629}" type="slidenum">
               <a:rPr lang="zh-CN" altLang="en-US" smtClean="0"/>
               <a:t>‹#›</a:t>
             </a:fld>
@@ -723,7 +723,7 @@
     </p:spTree>
     <p:extLst>
       <p:ext uri="{BB962C8B-B14F-4D97-AF65-F5344CB8AC3E}">
-        <p14:creationId xmlns:p14="http://schemas.microsoft.com/office/powerpoint/2010/main" val="4182759013"/>
+        <p14:creationId xmlns:p14="http://schemas.microsoft.com/office/powerpoint/2010/main" val="3667798050"/>
       </p:ext>
     </p:extLst>
   </p:cSld>
@@ -755,7 +755,7 @@
           <p:cNvPr id="2" name="标题 1">
             <a:extLst>
               <a:ext uri="{FF2B5EF4-FFF2-40B4-BE49-F238E27FC236}">
-                <a16:creationId xmlns:a16="http://schemas.microsoft.com/office/drawing/2014/main" id="{2114EADA-D40E-1E76-A6D0-06A66FC797CE}"/>
+                <a16:creationId xmlns:a16="http://schemas.microsoft.com/office/drawing/2014/main" id="{0ABEC880-4B49-19EC-8B7C-467941350ADB}"/>
               </a:ext>
             </a:extLst>
           </p:cNvPr>
@@ -783,7 +783,7 @@
           <p:cNvPr id="3" name="内容占位符 2">
             <a:extLst>
               <a:ext uri="{FF2B5EF4-FFF2-40B4-BE49-F238E27FC236}">
-                <a16:creationId xmlns:a16="http://schemas.microsoft.com/office/drawing/2014/main" id="{558BC341-73B9-3A8C-77C5-8D95A84A8206}"/>
+                <a16:creationId xmlns:a16="http://schemas.microsoft.com/office/drawing/2014/main" id="{290B1B74-4DA7-FAC9-FFA1-2E6619143822}"/>
               </a:ext>
             </a:extLst>
           </p:cNvPr>
@@ -840,7 +840,7 @@
           <p:cNvPr id="4" name="日期占位符 3">
             <a:extLst>
               <a:ext uri="{FF2B5EF4-FFF2-40B4-BE49-F238E27FC236}">
-                <a16:creationId xmlns:a16="http://schemas.microsoft.com/office/drawing/2014/main" id="{BA6C8A21-E170-756E-3517-7791FB1555F4}"/>
+                <a16:creationId xmlns:a16="http://schemas.microsoft.com/office/drawing/2014/main" id="{5D2A2C4C-A586-9FC5-5DB5-1F8DB8721D64}"/>
               </a:ext>
             </a:extLst>
           </p:cNvPr>
@@ -856,7 +856,7 @@
           <a:bodyPr/>
           <a:lstStyle/>
           <a:p>
-            <a:fld id="{13361E22-AA6F-419B-BDDD-176226818761}" type="datetimeFigureOut">
+            <a:fld id="{04D364F6-DC97-4CED-BE79-440BA9E4976E}" type="datetimeFigureOut">
               <a:rPr lang="zh-CN" altLang="en-US" smtClean="0"/>
               <a:t>2024/3/10</a:t>
             </a:fld>
@@ -869,7 +869,7 @@
           <p:cNvPr id="5" name="页脚占位符 4">
             <a:extLst>
               <a:ext uri="{FF2B5EF4-FFF2-40B4-BE49-F238E27FC236}">
-                <a16:creationId xmlns:a16="http://schemas.microsoft.com/office/drawing/2014/main" id="{604AA88C-3489-4AA4-612B-BE76F910AC4F}"/>
+                <a16:creationId xmlns:a16="http://schemas.microsoft.com/office/drawing/2014/main" id="{416410BD-BAD5-C86A-3CD7-AEBFBE3BC6A6}"/>
               </a:ext>
             </a:extLst>
           </p:cNvPr>
@@ -894,7 +894,7 @@
           <p:cNvPr id="6" name="灯片编号占位符 5">
             <a:extLst>
               <a:ext uri="{FF2B5EF4-FFF2-40B4-BE49-F238E27FC236}">
-                <a16:creationId xmlns:a16="http://schemas.microsoft.com/office/drawing/2014/main" id="{400D144F-0B23-8138-684E-0B41E06034C2}"/>
+                <a16:creationId xmlns:a16="http://schemas.microsoft.com/office/drawing/2014/main" id="{68A6F802-BCAB-B26E-9222-405D3084EF40}"/>
               </a:ext>
             </a:extLst>
           </p:cNvPr>
@@ -910,7 +910,7 @@
           <a:bodyPr/>
           <a:lstStyle/>
           <a:p>
-            <a:fld id="{DDC9CBD6-3879-4650-A77C-AB208E9FFC78}" type="slidenum">
+            <a:fld id="{02256655-83DF-41A3-BD5B-9E8E8A5E8629}" type="slidenum">
               <a:rPr lang="zh-CN" altLang="en-US" smtClean="0"/>
               <a:t>‹#›</a:t>
             </a:fld>
@@ -921,7 +921,7 @@
     </p:spTree>
     <p:extLst>
       <p:ext uri="{BB962C8B-B14F-4D97-AF65-F5344CB8AC3E}">
-        <p14:creationId xmlns:p14="http://schemas.microsoft.com/office/powerpoint/2010/main" val="3244943339"/>
+        <p14:creationId xmlns:p14="http://schemas.microsoft.com/office/powerpoint/2010/main" val="1489319427"/>
       </p:ext>
     </p:extLst>
   </p:cSld>
@@ -953,7 +953,7 @@
           <p:cNvPr id="2" name="标题 1">
             <a:extLst>
               <a:ext uri="{FF2B5EF4-FFF2-40B4-BE49-F238E27FC236}">
-                <a16:creationId xmlns:a16="http://schemas.microsoft.com/office/drawing/2014/main" id="{E74CF453-66CD-42D5-F7F5-615D59061331}"/>
+                <a16:creationId xmlns:a16="http://schemas.microsoft.com/office/drawing/2014/main" id="{C6E932E6-7F8A-F104-9263-36E84167CF03}"/>
               </a:ext>
             </a:extLst>
           </p:cNvPr>
@@ -990,7 +990,7 @@
           <p:cNvPr id="3" name="文本占位符 2">
             <a:extLst>
               <a:ext uri="{FF2B5EF4-FFF2-40B4-BE49-F238E27FC236}">
-                <a16:creationId xmlns:a16="http://schemas.microsoft.com/office/drawing/2014/main" id="{DF8974F6-EB84-1AA8-D304-4DBA2E1529EB}"/>
+                <a16:creationId xmlns:a16="http://schemas.microsoft.com/office/drawing/2014/main" id="{4ED588D3-B6AA-7D2F-05A5-19100B34AA3D}"/>
               </a:ext>
             </a:extLst>
           </p:cNvPr>
@@ -1115,7 +1115,7 @@
           <p:cNvPr id="4" name="日期占位符 3">
             <a:extLst>
               <a:ext uri="{FF2B5EF4-FFF2-40B4-BE49-F238E27FC236}">
-                <a16:creationId xmlns:a16="http://schemas.microsoft.com/office/drawing/2014/main" id="{63DE0280-6710-2036-79AB-DC5C293ED529}"/>
+                <a16:creationId xmlns:a16="http://schemas.microsoft.com/office/drawing/2014/main" id="{03F904B2-1875-F000-FE06-8B955363446D}"/>
               </a:ext>
             </a:extLst>
           </p:cNvPr>
@@ -1131,7 +1131,7 @@
           <a:bodyPr/>
           <a:lstStyle/>
           <a:p>
-            <a:fld id="{13361E22-AA6F-419B-BDDD-176226818761}" type="datetimeFigureOut">
+            <a:fld id="{04D364F6-DC97-4CED-BE79-440BA9E4976E}" type="datetimeFigureOut">
               <a:rPr lang="zh-CN" altLang="en-US" smtClean="0"/>
               <a:t>2024/3/10</a:t>
             </a:fld>
@@ -1144,7 +1144,7 @@
           <p:cNvPr id="5" name="页脚占位符 4">
             <a:extLst>
               <a:ext uri="{FF2B5EF4-FFF2-40B4-BE49-F238E27FC236}">
-                <a16:creationId xmlns:a16="http://schemas.microsoft.com/office/drawing/2014/main" id="{2901760D-F59D-01F0-735D-D5546E3DF716}"/>
+                <a16:creationId xmlns:a16="http://schemas.microsoft.com/office/drawing/2014/main" id="{4029CCDA-FBF8-DE1D-F6DF-0180C5E60D7F}"/>
               </a:ext>
             </a:extLst>
           </p:cNvPr>
@@ -1169,7 +1169,7 @@
           <p:cNvPr id="6" name="灯片编号占位符 5">
             <a:extLst>
               <a:ext uri="{FF2B5EF4-FFF2-40B4-BE49-F238E27FC236}">
-                <a16:creationId xmlns:a16="http://schemas.microsoft.com/office/drawing/2014/main" id="{CD65C832-FEFD-58F1-ACCE-20E9A957BFF0}"/>
+                <a16:creationId xmlns:a16="http://schemas.microsoft.com/office/drawing/2014/main" id="{51D30CAE-9A9E-7A01-7DC6-AFD698CE9F5B}"/>
               </a:ext>
             </a:extLst>
           </p:cNvPr>
@@ -1185,7 +1185,7 @@
           <a:bodyPr/>
           <a:lstStyle/>
           <a:p>
-            <a:fld id="{DDC9CBD6-3879-4650-A77C-AB208E9FFC78}" type="slidenum">
+            <a:fld id="{02256655-83DF-41A3-BD5B-9E8E8A5E8629}" type="slidenum">
               <a:rPr lang="zh-CN" altLang="en-US" smtClean="0"/>
               <a:t>‹#›</a:t>
             </a:fld>
@@ -1196,7 +1196,7 @@
     </p:spTree>
     <p:extLst>
       <p:ext uri="{BB962C8B-B14F-4D97-AF65-F5344CB8AC3E}">
-        <p14:creationId xmlns:p14="http://schemas.microsoft.com/office/powerpoint/2010/main" val="3175381661"/>
+        <p14:creationId xmlns:p14="http://schemas.microsoft.com/office/powerpoint/2010/main" val="357990584"/>
       </p:ext>
     </p:extLst>
   </p:cSld>
@@ -1228,7 +1228,7 @@
           <p:cNvPr id="2" name="标题 1">
             <a:extLst>
               <a:ext uri="{FF2B5EF4-FFF2-40B4-BE49-F238E27FC236}">
-                <a16:creationId xmlns:a16="http://schemas.microsoft.com/office/drawing/2014/main" id="{E06D9701-AE8F-B048-7AA3-D2BD5E9DF730}"/>
+                <a16:creationId xmlns:a16="http://schemas.microsoft.com/office/drawing/2014/main" id="{D4FB611B-A215-3FC2-6557-8B83CDEB6AF6}"/>
               </a:ext>
             </a:extLst>
           </p:cNvPr>
@@ -1256,7 +1256,7 @@
           <p:cNvPr id="3" name="内容占位符 2">
             <a:extLst>
               <a:ext uri="{FF2B5EF4-FFF2-40B4-BE49-F238E27FC236}">
-                <a16:creationId xmlns:a16="http://schemas.microsoft.com/office/drawing/2014/main" id="{041E77EF-E324-28B7-067A-9C75137E753B}"/>
+                <a16:creationId xmlns:a16="http://schemas.microsoft.com/office/drawing/2014/main" id="{F11E8220-199B-08B5-0032-17B81E6EAD88}"/>
               </a:ext>
             </a:extLst>
           </p:cNvPr>
@@ -1318,7 +1318,7 @@
           <p:cNvPr id="4" name="内容占位符 3">
             <a:extLst>
               <a:ext uri="{FF2B5EF4-FFF2-40B4-BE49-F238E27FC236}">
-                <a16:creationId xmlns:a16="http://schemas.microsoft.com/office/drawing/2014/main" id="{1F2267F8-E06F-5DCE-F130-478D9A16D140}"/>
+                <a16:creationId xmlns:a16="http://schemas.microsoft.com/office/drawing/2014/main" id="{6BE57360-BA7A-646C-7F13-CD4523903861}"/>
               </a:ext>
             </a:extLst>
           </p:cNvPr>
@@ -1380,7 +1380,7 @@
           <p:cNvPr id="5" name="日期占位符 4">
             <a:extLst>
               <a:ext uri="{FF2B5EF4-FFF2-40B4-BE49-F238E27FC236}">
-                <a16:creationId xmlns:a16="http://schemas.microsoft.com/office/drawing/2014/main" id="{D5E31650-7F05-4336-6F9C-92C99705547B}"/>
+                <a16:creationId xmlns:a16="http://schemas.microsoft.com/office/drawing/2014/main" id="{3C17BA67-C7B5-52DA-1CE8-6637889070F8}"/>
               </a:ext>
             </a:extLst>
           </p:cNvPr>
@@ -1396,7 +1396,7 @@
           <a:bodyPr/>
           <a:lstStyle/>
           <a:p>
-            <a:fld id="{13361E22-AA6F-419B-BDDD-176226818761}" type="datetimeFigureOut">
+            <a:fld id="{04D364F6-DC97-4CED-BE79-440BA9E4976E}" type="datetimeFigureOut">
               <a:rPr lang="zh-CN" altLang="en-US" smtClean="0"/>
               <a:t>2024/3/10</a:t>
             </a:fld>
@@ -1409,7 +1409,7 @@
           <p:cNvPr id="6" name="页脚占位符 5">
             <a:extLst>
               <a:ext uri="{FF2B5EF4-FFF2-40B4-BE49-F238E27FC236}">
-                <a16:creationId xmlns:a16="http://schemas.microsoft.com/office/drawing/2014/main" id="{EC91D1C5-B8AC-D79D-F756-040EFA868436}"/>
+                <a16:creationId xmlns:a16="http://schemas.microsoft.com/office/drawing/2014/main" id="{E747C37D-F101-B74B-D604-72232E3B05B1}"/>
               </a:ext>
             </a:extLst>
           </p:cNvPr>
@@ -1434,7 +1434,7 @@
           <p:cNvPr id="7" name="灯片编号占位符 6">
             <a:extLst>
               <a:ext uri="{FF2B5EF4-FFF2-40B4-BE49-F238E27FC236}">
-                <a16:creationId xmlns:a16="http://schemas.microsoft.com/office/drawing/2014/main" id="{51A5154C-F2C7-ABB9-D2AA-7029767B60FF}"/>
+                <a16:creationId xmlns:a16="http://schemas.microsoft.com/office/drawing/2014/main" id="{6E452B72-9DAA-A9F0-9C08-889B2B8A0F67}"/>
               </a:ext>
             </a:extLst>
           </p:cNvPr>
@@ -1450,7 +1450,7 @@
           <a:bodyPr/>
           <a:lstStyle/>
           <a:p>
-            <a:fld id="{DDC9CBD6-3879-4650-A77C-AB208E9FFC78}" type="slidenum">
+            <a:fld id="{02256655-83DF-41A3-BD5B-9E8E8A5E8629}" type="slidenum">
               <a:rPr lang="zh-CN" altLang="en-US" smtClean="0"/>
               <a:t>‹#›</a:t>
             </a:fld>
@@ -1461,7 +1461,7 @@
     </p:spTree>
     <p:extLst>
       <p:ext uri="{BB962C8B-B14F-4D97-AF65-F5344CB8AC3E}">
-        <p14:creationId xmlns:p14="http://schemas.microsoft.com/office/powerpoint/2010/main" val="4033803908"/>
+        <p14:creationId xmlns:p14="http://schemas.microsoft.com/office/powerpoint/2010/main" val="1879775794"/>
       </p:ext>
     </p:extLst>
   </p:cSld>
@@ -1493,7 +1493,7 @@
           <p:cNvPr id="2" name="标题 1">
             <a:extLst>
               <a:ext uri="{FF2B5EF4-FFF2-40B4-BE49-F238E27FC236}">
-                <a16:creationId xmlns:a16="http://schemas.microsoft.com/office/drawing/2014/main" id="{84389A39-E700-65FD-1E8E-590BDC0D05B5}"/>
+                <a16:creationId xmlns:a16="http://schemas.microsoft.com/office/drawing/2014/main" id="{C6FDAF83-1414-BD2D-B65B-0A504F325D7D}"/>
               </a:ext>
             </a:extLst>
           </p:cNvPr>
@@ -1526,7 +1526,7 @@
           <p:cNvPr id="3" name="文本占位符 2">
             <a:extLst>
               <a:ext uri="{FF2B5EF4-FFF2-40B4-BE49-F238E27FC236}">
-                <a16:creationId xmlns:a16="http://schemas.microsoft.com/office/drawing/2014/main" id="{95BDF36C-CF18-5643-82C9-C42F844441A1}"/>
+                <a16:creationId xmlns:a16="http://schemas.microsoft.com/office/drawing/2014/main" id="{4767A2EF-989B-338D-0202-1471474E0810}"/>
               </a:ext>
             </a:extLst>
           </p:cNvPr>
@@ -1597,7 +1597,7 @@
           <p:cNvPr id="4" name="内容占位符 3">
             <a:extLst>
               <a:ext uri="{FF2B5EF4-FFF2-40B4-BE49-F238E27FC236}">
-                <a16:creationId xmlns:a16="http://schemas.microsoft.com/office/drawing/2014/main" id="{FBA08961-5C2A-B3A4-F036-B7F1569F9CAE}"/>
+                <a16:creationId xmlns:a16="http://schemas.microsoft.com/office/drawing/2014/main" id="{8DC7A0A2-5BD1-1726-0E99-38B3D19BF681}"/>
               </a:ext>
             </a:extLst>
           </p:cNvPr>
@@ -1659,7 +1659,7 @@
           <p:cNvPr id="5" name="文本占位符 4">
             <a:extLst>
               <a:ext uri="{FF2B5EF4-FFF2-40B4-BE49-F238E27FC236}">
-                <a16:creationId xmlns:a16="http://schemas.microsoft.com/office/drawing/2014/main" id="{3587E0C8-9B10-BC4E-773B-436B52E28AC9}"/>
+                <a16:creationId xmlns:a16="http://schemas.microsoft.com/office/drawing/2014/main" id="{8F6AED73-BCE4-EA66-7A76-CC1C829CDAA6}"/>
               </a:ext>
             </a:extLst>
           </p:cNvPr>
@@ -1730,7 +1730,7 @@
           <p:cNvPr id="6" name="内容占位符 5">
             <a:extLst>
               <a:ext uri="{FF2B5EF4-FFF2-40B4-BE49-F238E27FC236}">
-                <a16:creationId xmlns:a16="http://schemas.microsoft.com/office/drawing/2014/main" id="{66AF87A1-C96B-D24E-2D87-B43D966114EF}"/>
+                <a16:creationId xmlns:a16="http://schemas.microsoft.com/office/drawing/2014/main" id="{C49A98A0-5ABF-BE63-5B66-5142C8E6EC05}"/>
               </a:ext>
             </a:extLst>
           </p:cNvPr>
@@ -1792,7 +1792,7 @@
           <p:cNvPr id="7" name="日期占位符 6">
             <a:extLst>
               <a:ext uri="{FF2B5EF4-FFF2-40B4-BE49-F238E27FC236}">
-                <a16:creationId xmlns:a16="http://schemas.microsoft.com/office/drawing/2014/main" id="{D342B4F7-029D-2E8F-7EAE-6C5A84ED736A}"/>
+                <a16:creationId xmlns:a16="http://schemas.microsoft.com/office/drawing/2014/main" id="{A8B4D647-F14E-600D-6B43-BDA29A99469B}"/>
               </a:ext>
             </a:extLst>
           </p:cNvPr>
@@ -1808,7 +1808,7 @@
           <a:bodyPr/>
           <a:lstStyle/>
           <a:p>
-            <a:fld id="{13361E22-AA6F-419B-BDDD-176226818761}" type="datetimeFigureOut">
+            <a:fld id="{04D364F6-DC97-4CED-BE79-440BA9E4976E}" type="datetimeFigureOut">
               <a:rPr lang="zh-CN" altLang="en-US" smtClean="0"/>
               <a:t>2024/3/10</a:t>
             </a:fld>
@@ -1821,7 +1821,7 @@
           <p:cNvPr id="8" name="页脚占位符 7">
             <a:extLst>
               <a:ext uri="{FF2B5EF4-FFF2-40B4-BE49-F238E27FC236}">
-                <a16:creationId xmlns:a16="http://schemas.microsoft.com/office/drawing/2014/main" id="{235342B7-8885-1788-0E16-AD4BE076A49C}"/>
+                <a16:creationId xmlns:a16="http://schemas.microsoft.com/office/drawing/2014/main" id="{30484A91-015A-E8F0-C02C-4F2077326F0F}"/>
               </a:ext>
             </a:extLst>
           </p:cNvPr>
@@ -1846,7 +1846,7 @@
           <p:cNvPr id="9" name="灯片编号占位符 8">
             <a:extLst>
               <a:ext uri="{FF2B5EF4-FFF2-40B4-BE49-F238E27FC236}">
-                <a16:creationId xmlns:a16="http://schemas.microsoft.com/office/drawing/2014/main" id="{194A6EBE-26D4-18BC-09DB-A941A8304ED4}"/>
+                <a16:creationId xmlns:a16="http://schemas.microsoft.com/office/drawing/2014/main" id="{62EFF8AB-AFBF-5CF9-7BB3-03D87343509B}"/>
               </a:ext>
             </a:extLst>
           </p:cNvPr>
@@ -1862,7 +1862,7 @@
           <a:bodyPr/>
           <a:lstStyle/>
           <a:p>
-            <a:fld id="{DDC9CBD6-3879-4650-A77C-AB208E9FFC78}" type="slidenum">
+            <a:fld id="{02256655-83DF-41A3-BD5B-9E8E8A5E8629}" type="slidenum">
               <a:rPr lang="zh-CN" altLang="en-US" smtClean="0"/>
               <a:t>‹#›</a:t>
             </a:fld>
@@ -1873,7 +1873,7 @@
     </p:spTree>
     <p:extLst>
       <p:ext uri="{BB962C8B-B14F-4D97-AF65-F5344CB8AC3E}">
-        <p14:creationId xmlns:p14="http://schemas.microsoft.com/office/powerpoint/2010/main" val="2417162688"/>
+        <p14:creationId xmlns:p14="http://schemas.microsoft.com/office/powerpoint/2010/main" val="651248816"/>
       </p:ext>
     </p:extLst>
   </p:cSld>
@@ -1905,7 +1905,7 @@
           <p:cNvPr id="2" name="标题 1">
             <a:extLst>
               <a:ext uri="{FF2B5EF4-FFF2-40B4-BE49-F238E27FC236}">
-                <a16:creationId xmlns:a16="http://schemas.microsoft.com/office/drawing/2014/main" id="{241A558F-194C-42CC-5402-B2FB7F5EAB81}"/>
+                <a16:creationId xmlns:a16="http://schemas.microsoft.com/office/drawing/2014/main" id="{FB600071-B73A-86BB-D03F-1E6FA5B728A2}"/>
               </a:ext>
             </a:extLst>
           </p:cNvPr>
@@ -1933,7 +1933,7 @@
           <p:cNvPr id="3" name="日期占位符 2">
             <a:extLst>
               <a:ext uri="{FF2B5EF4-FFF2-40B4-BE49-F238E27FC236}">
-                <a16:creationId xmlns:a16="http://schemas.microsoft.com/office/drawing/2014/main" id="{392FAC5B-144B-0E25-BBF5-FC94A535A6F7}"/>
+                <a16:creationId xmlns:a16="http://schemas.microsoft.com/office/drawing/2014/main" id="{4F190D19-4927-E904-A75C-2667F5841CEE}"/>
               </a:ext>
             </a:extLst>
           </p:cNvPr>
@@ -1949,7 +1949,7 @@
           <a:bodyPr/>
           <a:lstStyle/>
           <a:p>
-            <a:fld id="{13361E22-AA6F-419B-BDDD-176226818761}" type="datetimeFigureOut">
+            <a:fld id="{04D364F6-DC97-4CED-BE79-440BA9E4976E}" type="datetimeFigureOut">
               <a:rPr lang="zh-CN" altLang="en-US" smtClean="0"/>
               <a:t>2024/3/10</a:t>
             </a:fld>
@@ -1962,7 +1962,7 @@
           <p:cNvPr id="4" name="页脚占位符 3">
             <a:extLst>
               <a:ext uri="{FF2B5EF4-FFF2-40B4-BE49-F238E27FC236}">
-                <a16:creationId xmlns:a16="http://schemas.microsoft.com/office/drawing/2014/main" id="{73B5E816-9F2A-9CF2-4AC0-AC1FBDC4E64D}"/>
+                <a16:creationId xmlns:a16="http://schemas.microsoft.com/office/drawing/2014/main" id="{D0EBBBE2-3596-A0F7-3357-87380965F0AE}"/>
               </a:ext>
             </a:extLst>
           </p:cNvPr>
@@ -1987,7 +1987,7 @@
           <p:cNvPr id="5" name="灯片编号占位符 4">
             <a:extLst>
               <a:ext uri="{FF2B5EF4-FFF2-40B4-BE49-F238E27FC236}">
-                <a16:creationId xmlns:a16="http://schemas.microsoft.com/office/drawing/2014/main" id="{112B31F6-507C-5925-02F8-BEF45ED283ED}"/>
+                <a16:creationId xmlns:a16="http://schemas.microsoft.com/office/drawing/2014/main" id="{71F5AA6C-F70F-1735-965C-EA46672944C5}"/>
               </a:ext>
             </a:extLst>
           </p:cNvPr>
@@ -2003,7 +2003,7 @@
           <a:bodyPr/>
           <a:lstStyle/>
           <a:p>
-            <a:fld id="{DDC9CBD6-3879-4650-A77C-AB208E9FFC78}" type="slidenum">
+            <a:fld id="{02256655-83DF-41A3-BD5B-9E8E8A5E8629}" type="slidenum">
               <a:rPr lang="zh-CN" altLang="en-US" smtClean="0"/>
               <a:t>‹#›</a:t>
             </a:fld>
@@ -2014,7 +2014,7 @@
     </p:spTree>
     <p:extLst>
       <p:ext uri="{BB962C8B-B14F-4D97-AF65-F5344CB8AC3E}">
-        <p14:creationId xmlns:p14="http://schemas.microsoft.com/office/powerpoint/2010/main" val="1806302688"/>
+        <p14:creationId xmlns:p14="http://schemas.microsoft.com/office/powerpoint/2010/main" val="2068616607"/>
       </p:ext>
     </p:extLst>
   </p:cSld>
@@ -2046,7 +2046,7 @@
           <p:cNvPr id="2" name="日期占位符 1">
             <a:extLst>
               <a:ext uri="{FF2B5EF4-FFF2-40B4-BE49-F238E27FC236}">
-                <a16:creationId xmlns:a16="http://schemas.microsoft.com/office/drawing/2014/main" id="{BFE88A63-8F1D-F53D-D809-06C328338455}"/>
+                <a16:creationId xmlns:a16="http://schemas.microsoft.com/office/drawing/2014/main" id="{1477443A-1CD5-FB3F-0A92-24753D4C5C81}"/>
               </a:ext>
             </a:extLst>
           </p:cNvPr>
@@ -2062,7 +2062,7 @@
           <a:bodyPr/>
           <a:lstStyle/>
           <a:p>
-            <a:fld id="{13361E22-AA6F-419B-BDDD-176226818761}" type="datetimeFigureOut">
+            <a:fld id="{04D364F6-DC97-4CED-BE79-440BA9E4976E}" type="datetimeFigureOut">
               <a:rPr lang="zh-CN" altLang="en-US" smtClean="0"/>
               <a:t>2024/3/10</a:t>
             </a:fld>
@@ -2075,7 +2075,7 @@
           <p:cNvPr id="3" name="页脚占位符 2">
             <a:extLst>
               <a:ext uri="{FF2B5EF4-FFF2-40B4-BE49-F238E27FC236}">
-                <a16:creationId xmlns:a16="http://schemas.microsoft.com/office/drawing/2014/main" id="{3CFC127B-FB8A-047B-695B-7E5B70D3093C}"/>
+                <a16:creationId xmlns:a16="http://schemas.microsoft.com/office/drawing/2014/main" id="{CA17DB8E-08CE-0ACE-AC80-B3FBC36904C5}"/>
               </a:ext>
             </a:extLst>
           </p:cNvPr>
@@ -2100,7 +2100,7 @@
           <p:cNvPr id="4" name="灯片编号占位符 3">
             <a:extLst>
               <a:ext uri="{FF2B5EF4-FFF2-40B4-BE49-F238E27FC236}">
-                <a16:creationId xmlns:a16="http://schemas.microsoft.com/office/drawing/2014/main" id="{3A229444-799F-FAC1-B075-61C4B4B7A319}"/>
+                <a16:creationId xmlns:a16="http://schemas.microsoft.com/office/drawing/2014/main" id="{EC760FD5-C95A-EB58-D92D-D0949D1DEA94}"/>
               </a:ext>
             </a:extLst>
           </p:cNvPr>
@@ -2116,7 +2116,7 @@
           <a:bodyPr/>
           <a:lstStyle/>
           <a:p>
-            <a:fld id="{DDC9CBD6-3879-4650-A77C-AB208E9FFC78}" type="slidenum">
+            <a:fld id="{02256655-83DF-41A3-BD5B-9E8E8A5E8629}" type="slidenum">
               <a:rPr lang="zh-CN" altLang="en-US" smtClean="0"/>
               <a:t>‹#›</a:t>
             </a:fld>
@@ -2127,7 +2127,7 @@
     </p:spTree>
     <p:extLst>
       <p:ext uri="{BB962C8B-B14F-4D97-AF65-F5344CB8AC3E}">
-        <p14:creationId xmlns:p14="http://schemas.microsoft.com/office/powerpoint/2010/main" val="2012099233"/>
+        <p14:creationId xmlns:p14="http://schemas.microsoft.com/office/powerpoint/2010/main" val="1623355977"/>
       </p:ext>
     </p:extLst>
   </p:cSld>
@@ -2159,7 +2159,7 @@
           <p:cNvPr id="2" name="标题 1">
             <a:extLst>
               <a:ext uri="{FF2B5EF4-FFF2-40B4-BE49-F238E27FC236}">
-                <a16:creationId xmlns:a16="http://schemas.microsoft.com/office/drawing/2014/main" id="{03E17392-5169-2889-9BE6-6FACDFFE1E7A}"/>
+                <a16:creationId xmlns:a16="http://schemas.microsoft.com/office/drawing/2014/main" id="{B3955821-6825-6B3C-D832-951E57126B49}"/>
               </a:ext>
             </a:extLst>
           </p:cNvPr>
@@ -2196,7 +2196,7 @@
           <p:cNvPr id="3" name="内容占位符 2">
             <a:extLst>
               <a:ext uri="{FF2B5EF4-FFF2-40B4-BE49-F238E27FC236}">
-                <a16:creationId xmlns:a16="http://schemas.microsoft.com/office/drawing/2014/main" id="{6A9A55A0-8055-1F3F-2A3C-9ECC7F9B8B80}"/>
+                <a16:creationId xmlns:a16="http://schemas.microsoft.com/office/drawing/2014/main" id="{D42DB8CF-F49D-456F-3FDC-837E3CB633B1}"/>
               </a:ext>
             </a:extLst>
           </p:cNvPr>
@@ -2286,7 +2286,7 @@
           <p:cNvPr id="4" name="文本占位符 3">
             <a:extLst>
               <a:ext uri="{FF2B5EF4-FFF2-40B4-BE49-F238E27FC236}">
-                <a16:creationId xmlns:a16="http://schemas.microsoft.com/office/drawing/2014/main" id="{0C7BDA7E-4D11-72A1-565B-7ACADA6459AC}"/>
+                <a16:creationId xmlns:a16="http://schemas.microsoft.com/office/drawing/2014/main" id="{5338A275-7EB0-9E37-9D8B-D22443C57A7E}"/>
               </a:ext>
             </a:extLst>
           </p:cNvPr>
@@ -2357,7 +2357,7 @@
           <p:cNvPr id="5" name="日期占位符 4">
             <a:extLst>
               <a:ext uri="{FF2B5EF4-FFF2-40B4-BE49-F238E27FC236}">
-                <a16:creationId xmlns:a16="http://schemas.microsoft.com/office/drawing/2014/main" id="{46501060-9A69-371C-0DBC-92596E596953}"/>
+                <a16:creationId xmlns:a16="http://schemas.microsoft.com/office/drawing/2014/main" id="{D54AEDAA-FBFC-8FDB-D906-987DBCA128CA}"/>
               </a:ext>
             </a:extLst>
           </p:cNvPr>
@@ -2373,7 +2373,7 @@
           <a:bodyPr/>
           <a:lstStyle/>
           <a:p>
-            <a:fld id="{13361E22-AA6F-419B-BDDD-176226818761}" type="datetimeFigureOut">
+            <a:fld id="{04D364F6-DC97-4CED-BE79-440BA9E4976E}" type="datetimeFigureOut">
               <a:rPr lang="zh-CN" altLang="en-US" smtClean="0"/>
               <a:t>2024/3/10</a:t>
             </a:fld>
@@ -2386,7 +2386,7 @@
           <p:cNvPr id="6" name="页脚占位符 5">
             <a:extLst>
               <a:ext uri="{FF2B5EF4-FFF2-40B4-BE49-F238E27FC236}">
-                <a16:creationId xmlns:a16="http://schemas.microsoft.com/office/drawing/2014/main" id="{E7E7FC4F-2BAC-A94A-20DB-244D69FE1E33}"/>
+                <a16:creationId xmlns:a16="http://schemas.microsoft.com/office/drawing/2014/main" id="{1B96858C-51B0-7C0A-7368-CF16388ED4F5}"/>
               </a:ext>
             </a:extLst>
           </p:cNvPr>
@@ -2411,7 +2411,7 @@
           <p:cNvPr id="7" name="灯片编号占位符 6">
             <a:extLst>
               <a:ext uri="{FF2B5EF4-FFF2-40B4-BE49-F238E27FC236}">
-                <a16:creationId xmlns:a16="http://schemas.microsoft.com/office/drawing/2014/main" id="{B24C785D-DC90-AC6C-86CE-29ECCB9B16F1}"/>
+                <a16:creationId xmlns:a16="http://schemas.microsoft.com/office/drawing/2014/main" id="{EC976180-401C-8140-EC16-4B54F89640EF}"/>
               </a:ext>
             </a:extLst>
           </p:cNvPr>
@@ -2427,7 +2427,7 @@
           <a:bodyPr/>
           <a:lstStyle/>
           <a:p>
-            <a:fld id="{DDC9CBD6-3879-4650-A77C-AB208E9FFC78}" type="slidenum">
+            <a:fld id="{02256655-83DF-41A3-BD5B-9E8E8A5E8629}" type="slidenum">
               <a:rPr lang="zh-CN" altLang="en-US" smtClean="0"/>
               <a:t>‹#›</a:t>
             </a:fld>
@@ -2438,7 +2438,7 @@
     </p:spTree>
     <p:extLst>
       <p:ext uri="{BB962C8B-B14F-4D97-AF65-F5344CB8AC3E}">
-        <p14:creationId xmlns:p14="http://schemas.microsoft.com/office/powerpoint/2010/main" val="2430985394"/>
+        <p14:creationId xmlns:p14="http://schemas.microsoft.com/office/powerpoint/2010/main" val="2422260096"/>
       </p:ext>
     </p:extLst>
   </p:cSld>
@@ -2470,7 +2470,7 @@
           <p:cNvPr id="2" name="标题 1">
             <a:extLst>
               <a:ext uri="{FF2B5EF4-FFF2-40B4-BE49-F238E27FC236}">
-                <a16:creationId xmlns:a16="http://schemas.microsoft.com/office/drawing/2014/main" id="{9CAC0FC2-B86D-BB4F-EDD8-B6E7860FCEB1}"/>
+                <a16:creationId xmlns:a16="http://schemas.microsoft.com/office/drawing/2014/main" id="{9C614018-2768-B005-5C60-A324A2B190B4}"/>
               </a:ext>
             </a:extLst>
           </p:cNvPr>
@@ -2507,7 +2507,7 @@
           <p:cNvPr id="3" name="图片占位符 2">
             <a:extLst>
               <a:ext uri="{FF2B5EF4-FFF2-40B4-BE49-F238E27FC236}">
-                <a16:creationId xmlns:a16="http://schemas.microsoft.com/office/drawing/2014/main" id="{7977BC69-D896-20D9-A7C8-C29B97BBF7CB}"/>
+                <a16:creationId xmlns:a16="http://schemas.microsoft.com/office/drawing/2014/main" id="{C03B3600-FB1A-8405-19A0-0304B3F66190}"/>
               </a:ext>
             </a:extLst>
           </p:cNvPr>
@@ -2574,7 +2574,7 @@
           <p:cNvPr id="4" name="文本占位符 3">
             <a:extLst>
               <a:ext uri="{FF2B5EF4-FFF2-40B4-BE49-F238E27FC236}">
-                <a16:creationId xmlns:a16="http://schemas.microsoft.com/office/drawing/2014/main" id="{CD676F15-04C1-3C81-5E49-97CFAEB61F7A}"/>
+                <a16:creationId xmlns:a16="http://schemas.microsoft.com/office/drawing/2014/main" id="{F7D16EB5-4EA3-6CF0-85AE-5F3E38992A08}"/>
               </a:ext>
             </a:extLst>
           </p:cNvPr>
@@ -2645,7 +2645,7 @@
           <p:cNvPr id="5" name="日期占位符 4">
             <a:extLst>
               <a:ext uri="{FF2B5EF4-FFF2-40B4-BE49-F238E27FC236}">
-                <a16:creationId xmlns:a16="http://schemas.microsoft.com/office/drawing/2014/main" id="{A440F9A0-772A-8D94-5E95-3B93DFEA7D37}"/>
+                <a16:creationId xmlns:a16="http://schemas.microsoft.com/office/drawing/2014/main" id="{A840EE48-B1BB-FEEB-FF20-FA69E062F0C2}"/>
               </a:ext>
             </a:extLst>
           </p:cNvPr>
@@ -2661,7 +2661,7 @@
           <a:bodyPr/>
           <a:lstStyle/>
           <a:p>
-            <a:fld id="{13361E22-AA6F-419B-BDDD-176226818761}" type="datetimeFigureOut">
+            <a:fld id="{04D364F6-DC97-4CED-BE79-440BA9E4976E}" type="datetimeFigureOut">
               <a:rPr lang="zh-CN" altLang="en-US" smtClean="0"/>
               <a:t>2024/3/10</a:t>
             </a:fld>
@@ -2674,7 +2674,7 @@
           <p:cNvPr id="6" name="页脚占位符 5">
             <a:extLst>
               <a:ext uri="{FF2B5EF4-FFF2-40B4-BE49-F238E27FC236}">
-                <a16:creationId xmlns:a16="http://schemas.microsoft.com/office/drawing/2014/main" id="{00834458-7C74-0F7C-7B64-731A6E2930F8}"/>
+                <a16:creationId xmlns:a16="http://schemas.microsoft.com/office/drawing/2014/main" id="{A641692C-CD62-0A75-AA0F-CA6D5B898455}"/>
               </a:ext>
             </a:extLst>
           </p:cNvPr>
@@ -2699,7 +2699,7 @@
           <p:cNvPr id="7" name="灯片编号占位符 6">
             <a:extLst>
               <a:ext uri="{FF2B5EF4-FFF2-40B4-BE49-F238E27FC236}">
-                <a16:creationId xmlns:a16="http://schemas.microsoft.com/office/drawing/2014/main" id="{C41123DF-F82C-18EA-9A0D-59E66E92073F}"/>
+                <a16:creationId xmlns:a16="http://schemas.microsoft.com/office/drawing/2014/main" id="{2A959207-CD0D-D3FC-291C-0212628E4ED3}"/>
               </a:ext>
             </a:extLst>
           </p:cNvPr>
@@ -2715,7 +2715,7 @@
           <a:bodyPr/>
           <a:lstStyle/>
           <a:p>
-            <a:fld id="{DDC9CBD6-3879-4650-A77C-AB208E9FFC78}" type="slidenum">
+            <a:fld id="{02256655-83DF-41A3-BD5B-9E8E8A5E8629}" type="slidenum">
               <a:rPr lang="zh-CN" altLang="en-US" smtClean="0"/>
               <a:t>‹#›</a:t>
             </a:fld>
@@ -2726,7 +2726,7 @@
     </p:spTree>
     <p:extLst>
       <p:ext uri="{BB962C8B-B14F-4D97-AF65-F5344CB8AC3E}">
-        <p14:creationId xmlns:p14="http://schemas.microsoft.com/office/powerpoint/2010/main" val="1895641840"/>
+        <p14:creationId xmlns:p14="http://schemas.microsoft.com/office/powerpoint/2010/main" val="1493474441"/>
       </p:ext>
     </p:extLst>
   </p:cSld>
@@ -2763,7 +2763,7 @@
           <p:cNvPr id="2" name="标题占位符 1">
             <a:extLst>
               <a:ext uri="{FF2B5EF4-FFF2-40B4-BE49-F238E27FC236}">
-                <a16:creationId xmlns:a16="http://schemas.microsoft.com/office/drawing/2014/main" id="{61AAAE5B-2C0D-1E52-63B2-6C82897B958F}"/>
+                <a16:creationId xmlns:a16="http://schemas.microsoft.com/office/drawing/2014/main" id="{360D7223-2D3D-65DB-610F-84C7E18B5091}"/>
               </a:ext>
             </a:extLst>
           </p:cNvPr>
@@ -2801,7 +2801,7 @@
           <p:cNvPr id="3" name="文本占位符 2">
             <a:extLst>
               <a:ext uri="{FF2B5EF4-FFF2-40B4-BE49-F238E27FC236}">
-                <a16:creationId xmlns:a16="http://schemas.microsoft.com/office/drawing/2014/main" id="{1F98258D-F074-BA5C-12A0-16716B0968FE}"/>
+                <a16:creationId xmlns:a16="http://schemas.microsoft.com/office/drawing/2014/main" id="{ABF9F988-081A-7448-4E97-51DFAA8693C2}"/>
               </a:ext>
             </a:extLst>
           </p:cNvPr>
@@ -2868,7 +2868,7 @@
           <p:cNvPr id="4" name="日期占位符 3">
             <a:extLst>
               <a:ext uri="{FF2B5EF4-FFF2-40B4-BE49-F238E27FC236}">
-                <a16:creationId xmlns:a16="http://schemas.microsoft.com/office/drawing/2014/main" id="{D60D60C0-37D2-3B7A-0470-6B1B23B41FDD}"/>
+                <a16:creationId xmlns:a16="http://schemas.microsoft.com/office/drawing/2014/main" id="{1171F77D-E836-CA79-A098-EEC37242D58D}"/>
               </a:ext>
             </a:extLst>
           </p:cNvPr>
@@ -2902,7 +2902,7 @@
             </a:lvl1pPr>
           </a:lstStyle>
           <a:p>
-            <a:fld id="{13361E22-AA6F-419B-BDDD-176226818761}" type="datetimeFigureOut">
+            <a:fld id="{04D364F6-DC97-4CED-BE79-440BA9E4976E}" type="datetimeFigureOut">
               <a:rPr lang="zh-CN" altLang="en-US" smtClean="0"/>
               <a:t>2024/3/10</a:t>
             </a:fld>
@@ -2915,7 +2915,7 @@
           <p:cNvPr id="5" name="页脚占位符 4">
             <a:extLst>
               <a:ext uri="{FF2B5EF4-FFF2-40B4-BE49-F238E27FC236}">
-                <a16:creationId xmlns:a16="http://schemas.microsoft.com/office/drawing/2014/main" id="{1875CACA-3DDA-29AF-5563-C1CC02A5B4F1}"/>
+                <a16:creationId xmlns:a16="http://schemas.microsoft.com/office/drawing/2014/main" id="{13CC03E3-E038-E662-FF09-67FF3ABE8403}"/>
               </a:ext>
             </a:extLst>
           </p:cNvPr>
@@ -2958,7 +2958,7 @@
           <p:cNvPr id="6" name="灯片编号占位符 5">
             <a:extLst>
               <a:ext uri="{FF2B5EF4-FFF2-40B4-BE49-F238E27FC236}">
-                <a16:creationId xmlns:a16="http://schemas.microsoft.com/office/drawing/2014/main" id="{BBEA68F0-2AC9-F0C5-AF6D-D08643220B81}"/>
+                <a16:creationId xmlns:a16="http://schemas.microsoft.com/office/drawing/2014/main" id="{C753B965-3512-0804-4DCB-94C4EB2D0510}"/>
               </a:ext>
             </a:extLst>
           </p:cNvPr>
@@ -2992,7 +2992,7 @@
             </a:lvl1pPr>
           </a:lstStyle>
           <a:p>
-            <a:fld id="{DDC9CBD6-3879-4650-A77C-AB208E9FFC78}" type="slidenum">
+            <a:fld id="{02256655-83DF-41A3-BD5B-9E8E8A5E8629}" type="slidenum">
               <a:rPr lang="zh-CN" altLang="en-US" smtClean="0"/>
               <a:t>‹#›</a:t>
             </a:fld>
@@ -3003,7 +3003,7 @@
     </p:spTree>
     <p:extLst>
       <p:ext uri="{BB962C8B-B14F-4D97-AF65-F5344CB8AC3E}">
-        <p14:creationId xmlns:p14="http://schemas.microsoft.com/office/powerpoint/2010/main" val="576733496"/>
+        <p14:creationId xmlns:p14="http://schemas.microsoft.com/office/powerpoint/2010/main" val="3863631542"/>
       </p:ext>
     </p:extLst>
   </p:cSld>
